--- a/help session/week7/week7_ssh.pptx
+++ b/help session/week7/week7_ssh.pptx
@@ -220,7 +220,7 @@
           <a:p>
             <a:fld id="{4D7E51A5-B478-1E40-8CBB-0DAA8831E99D}" type="datetimeFigureOut">
               <a:rPr lang="en-US" smtClean="0"/>
-              <a:t>10/6/20</a:t>
+              <a:t>10/6/2020</a:t>
             </a:fld>
             <a:endParaRPr lang="en-US"/>
           </a:p>
@@ -385,7 +385,7 @@
           <a:p>
             <a:fld id="{D0ED587F-861E-6740-9643-E3DDAE89B8D6}" type="datetimeFigureOut">
               <a:rPr lang="en-US" smtClean="0"/>
-              <a:t>10/6/20</a:t>
+              <a:t>10/6/2020</a:t>
             </a:fld>
             <a:endParaRPr lang="en-US"/>
           </a:p>
@@ -7176,7 +7176,7 @@
         <p:spPr>
           <a:xfrm>
             <a:off x="628075" y="1776683"/>
-            <a:ext cx="12561453" cy="5068119"/>
+            <a:ext cx="12561453" cy="5644622"/>
           </a:xfrm>
         </p:spPr>
         <p:txBody>
@@ -7221,21 +7221,42 @@
             </a:r>
           </a:p>
           <a:p>
-            <a:pPr lvl="1"/>
+            <a:pPr lvl="1">
+              <a:lnSpc>
+                <a:spcPct val="100000"/>
+              </a:lnSpc>
+              <a:spcAft>
+                <a:spcPts val="0"/>
+              </a:spcAft>
+            </a:pPr>
             <a:r>
               <a:rPr lang="en-US" dirty="0"/>
               <a:t>OpenSSH Terminal</a:t>
             </a:r>
           </a:p>
           <a:p>
-            <a:pPr lvl="2"/>
+            <a:pPr lvl="2">
+              <a:lnSpc>
+                <a:spcPct val="100000"/>
+              </a:lnSpc>
+              <a:spcAft>
+                <a:spcPts val="0"/>
+              </a:spcAft>
+            </a:pPr>
             <a:r>
               <a:rPr lang="en-US" dirty="0"/>
               <a:t>Built into Windows 10</a:t>
             </a:r>
           </a:p>
           <a:p>
-            <a:pPr lvl="2"/>
+            <a:pPr lvl="2">
+              <a:lnSpc>
+                <a:spcPct val="100000"/>
+              </a:lnSpc>
+              <a:spcAft>
+                <a:spcPts val="0"/>
+              </a:spcAft>
+            </a:pPr>
             <a:r>
               <a:rPr lang="en-US" dirty="0"/>
               <a:t>type </a:t>
@@ -7250,37 +7271,130 @@
             </a:r>
           </a:p>
           <a:p>
-            <a:pPr lvl="2"/>
-            <a:r>
-              <a:rPr lang="en-US" dirty="0"/>
-              <a:t>type </a:t>
-            </a:r>
+            <a:pPr lvl="2">
+              <a:lnSpc>
+                <a:spcPct val="100000"/>
+              </a:lnSpc>
+              <a:spcAft>
+                <a:spcPts val="0"/>
+              </a:spcAft>
+            </a:pPr>
+            <a:r>
+              <a:rPr lang="en-US" dirty="0"/>
+              <a:t>type ssh.exe to see if it is enabled</a:t>
+            </a:r>
+          </a:p>
+          <a:p>
+            <a:pPr lvl="2">
+              <a:lnSpc>
+                <a:spcPct val="100000"/>
+              </a:lnSpc>
+              <a:spcAft>
+                <a:spcPts val="0"/>
+              </a:spcAft>
+            </a:pPr>
+            <a:endParaRPr lang="en-US" dirty="0"/>
+          </a:p>
+          <a:p>
+            <a:pPr lvl="1">
+              <a:lnSpc>
+                <a:spcPct val="100000"/>
+              </a:lnSpc>
+              <a:spcAft>
+                <a:spcPts val="0"/>
+              </a:spcAft>
+            </a:pPr>
             <a:r>
               <a:rPr lang="en-US" dirty="0" err="1"/>
-              <a:t>ssh.exe</a:t>
-            </a:r>
-            <a:r>
-              <a:rPr lang="en-US" dirty="0"/>
-              <a:t> to see if it is enabled</a:t>
-            </a:r>
-          </a:p>
-          <a:p>
-            <a:pPr lvl="1"/>
+              <a:t>MobaXTerm</a:t>
+            </a:r>
+            <a:endParaRPr lang="en-US" dirty="0"/>
+          </a:p>
+          <a:p>
+            <a:pPr lvl="2">
+              <a:lnSpc>
+                <a:spcPct val="100000"/>
+              </a:lnSpc>
+              <a:spcAft>
+                <a:spcPts val="0"/>
+              </a:spcAft>
+            </a:pPr>
+            <a:r>
+              <a:rPr lang="en-US" dirty="0"/>
+              <a:t>Allows easy file transfer between remote and local machine</a:t>
+            </a:r>
+          </a:p>
+          <a:p>
+            <a:pPr lvl="2">
+              <a:lnSpc>
+                <a:spcPct val="100000"/>
+              </a:lnSpc>
+              <a:spcAft>
+                <a:spcPts val="0"/>
+              </a:spcAft>
+            </a:pPr>
+            <a:r>
+              <a:rPr lang="en-US" dirty="0"/>
+              <a:t>Allows you to open applications without setting up </a:t>
+            </a:r>
             <a:r>
               <a:rPr lang="en-US" dirty="0" err="1"/>
+              <a:t>xterm</a:t>
+            </a:r>
+            <a:r>
+              <a:rPr lang="en-US" dirty="0"/>
+              <a:t> tunnel</a:t>
+            </a:r>
+          </a:p>
+          <a:p>
+            <a:pPr marL="699614" lvl="1" indent="0">
+              <a:lnSpc>
+                <a:spcPct val="100000"/>
+              </a:lnSpc>
+              <a:spcAft>
+                <a:spcPts val="0"/>
+              </a:spcAft>
+              <a:buNone/>
+            </a:pPr>
+            <a:endParaRPr lang="en-US" dirty="0"/>
+          </a:p>
+          <a:p>
+            <a:pPr lvl="1">
+              <a:lnSpc>
+                <a:spcPct val="100000"/>
+              </a:lnSpc>
+              <a:spcAft>
+                <a:spcPts val="0"/>
+              </a:spcAft>
+            </a:pPr>
+            <a:r>
+              <a:rPr lang="en-US" dirty="0"/>
               <a:t>Putty.exe</a:t>
             </a:r>
-            <a:endParaRPr lang="en-US" dirty="0"/>
-          </a:p>
-          <a:p>
-            <a:pPr lvl="2"/>
+          </a:p>
+          <a:p>
+            <a:pPr lvl="2">
+              <a:lnSpc>
+                <a:spcPct val="100000"/>
+              </a:lnSpc>
+              <a:spcAft>
+                <a:spcPts val="0"/>
+              </a:spcAft>
+            </a:pPr>
             <a:r>
               <a:rPr lang="en-US" dirty="0"/>
               <a:t>popular alternative</a:t>
             </a:r>
           </a:p>
           <a:p>
-            <a:pPr lvl="2"/>
+            <a:pPr lvl="2">
+              <a:lnSpc>
+                <a:spcPct val="100000"/>
+              </a:lnSpc>
+              <a:spcAft>
+                <a:spcPts val="0"/>
+              </a:spcAft>
+            </a:pPr>
             <a:r>
               <a:rPr lang="en-US" dirty="0">
                 <a:hlinkClick r:id="rId2"/>
@@ -7290,11 +7404,30 @@
             <a:endParaRPr lang="en-US" dirty="0"/>
           </a:p>
           <a:p>
-            <a:pPr lvl="2"/>
+            <a:pPr lvl="2">
+              <a:lnSpc>
+                <a:spcPct val="100000"/>
+              </a:lnSpc>
+              <a:spcAft>
+                <a:spcPts val="0"/>
+              </a:spcAft>
+            </a:pPr>
             <a:r>
               <a:rPr lang="en-US" dirty="0"/>
               <a:t>download for windows</a:t>
             </a:r>
+          </a:p>
+          <a:p>
+            <a:pPr marL="1399233" lvl="2" indent="0">
+              <a:lnSpc>
+                <a:spcPct val="100000"/>
+              </a:lnSpc>
+              <a:spcAft>
+                <a:spcPts val="0"/>
+              </a:spcAft>
+              <a:buNone/>
+            </a:pPr>
+            <a:endParaRPr lang="en-US" dirty="0"/>
           </a:p>
         </p:txBody>
       </p:sp>
@@ -7320,8 +7453,8 @@
         </p:blipFill>
         <p:spPr>
           <a:xfrm>
-            <a:off x="5217583" y="5302955"/>
-            <a:ext cx="8394700" cy="1727200"/>
+            <a:off x="5920373" y="5818189"/>
+            <a:ext cx="7320340" cy="1506152"/>
           </a:xfrm>
           <a:prstGeom prst="rect">
             <a:avLst/>

--- a/help session/week7/week7_ssh.pptx
+++ b/help session/week7/week7_ssh.pptx
@@ -5,10 +5,10 @@
     <p:sldMasterId id="2147483648" r:id="rId1"/>
   </p:sldMasterIdLst>
   <p:notesMasterIdLst>
-    <p:notesMasterId r:id="rId9"/>
+    <p:notesMasterId r:id="rId11"/>
   </p:notesMasterIdLst>
   <p:handoutMasterIdLst>
-    <p:handoutMasterId r:id="rId10"/>
+    <p:handoutMasterId r:id="rId12"/>
   </p:handoutMasterIdLst>
   <p:sldIdLst>
     <p:sldId id="256" r:id="rId2"/>
@@ -18,6 +18,8 @@
     <p:sldId id="260" r:id="rId6"/>
     <p:sldId id="261" r:id="rId7"/>
     <p:sldId id="262" r:id="rId8"/>
+    <p:sldId id="264" r:id="rId9"/>
+    <p:sldId id="263" r:id="rId10"/>
   </p:sldIdLst>
   <p:sldSz cx="13817600" cy="7772400"/>
   <p:notesSz cx="6858000" cy="9144000"/>
@@ -220,7 +222,7 @@
           <a:p>
             <a:fld id="{4D7E51A5-B478-1E40-8CBB-0DAA8831E99D}" type="datetimeFigureOut">
               <a:rPr lang="en-US" smtClean="0"/>
-              <a:t>10/6/2020</a:t>
+              <a:t>3/1/21</a:t>
             </a:fld>
             <a:endParaRPr lang="en-US"/>
           </a:p>
@@ -385,7 +387,7 @@
           <a:p>
             <a:fld id="{D0ED587F-861E-6740-9643-E3DDAE89B8D6}" type="datetimeFigureOut">
               <a:rPr lang="en-US" smtClean="0"/>
-              <a:t>10/6/2020</a:t>
+              <a:t>3/1/21</a:t>
             </a:fld>
             <a:endParaRPr lang="en-US"/>
           </a:p>
@@ -650,6 +652,101 @@
     </a:lvl9pPr>
   </p:notesStyle>
 </p:notesMaster>
+</file>
+
+<file path=ppt/notesSlides/notesSlide1.xml><?xml version="1.0" encoding="utf-8"?>
+<p:notes xmlns:a="http://schemas.openxmlformats.org/drawingml/2006/main" xmlns:r="http://schemas.openxmlformats.org/officeDocument/2006/relationships" xmlns:p="http://schemas.openxmlformats.org/presentationml/2006/main">
+  <p:cSld>
+    <p:spTree>
+      <p:nvGrpSpPr>
+        <p:cNvPr id="1" name=""/>
+        <p:cNvGrpSpPr/>
+        <p:nvPr/>
+      </p:nvGrpSpPr>
+      <p:grpSpPr>
+        <a:xfrm>
+          <a:off x="0" y="0"/>
+          <a:ext cx="0" cy="0"/>
+          <a:chOff x="0" y="0"/>
+          <a:chExt cx="0" cy="0"/>
+        </a:xfrm>
+      </p:grpSpPr>
+      <p:sp>
+        <p:nvSpPr>
+          <p:cNvPr id="2" name="Slide Image Placeholder 1"/>
+          <p:cNvSpPr>
+            <a:spLocks noGrp="1" noRot="1" noChangeAspect="1"/>
+          </p:cNvSpPr>
+          <p:nvPr>
+            <p:ph type="sldImg"/>
+          </p:nvPr>
+        </p:nvSpPr>
+        <p:spPr/>
+      </p:sp>
+      <p:sp>
+        <p:nvSpPr>
+          <p:cNvPr id="3" name="Notes Placeholder 2"/>
+          <p:cNvSpPr>
+            <a:spLocks noGrp="1"/>
+          </p:cNvSpPr>
+          <p:nvPr>
+            <p:ph type="body" idx="1"/>
+          </p:nvPr>
+        </p:nvSpPr>
+        <p:spPr/>
+        <p:txBody>
+          <a:bodyPr/>
+          <a:lstStyle/>
+          <a:p>
+            <a:r>
+              <a:rPr lang="en-US" dirty="0"/>
+              <a:t>Note: for the coding example to work, you *have* to use a file. You can’t just try it by passing in a string or using </a:t>
+            </a:r>
+            <a:r>
+              <a:rPr lang="en-US" dirty="0" err="1"/>
+              <a:t>System.in</a:t>
+            </a:r>
+            <a:r>
+              <a:rPr lang="en-US" dirty="0"/>
+              <a:t> – that changes the end of line that a file has. </a:t>
+            </a:r>
+          </a:p>
+        </p:txBody>
+      </p:sp>
+      <p:sp>
+        <p:nvSpPr>
+          <p:cNvPr id="4" name="Slide Number Placeholder 3"/>
+          <p:cNvSpPr>
+            <a:spLocks noGrp="1"/>
+          </p:cNvSpPr>
+          <p:nvPr>
+            <p:ph type="sldNum" sz="quarter" idx="5"/>
+          </p:nvPr>
+        </p:nvSpPr>
+        <p:spPr/>
+        <p:txBody>
+          <a:bodyPr/>
+          <a:lstStyle/>
+          <a:p>
+            <a:fld id="{1A032F50-0B60-B34B-8422-4E195A5AE2C1}" type="slidenum">
+              <a:rPr lang="en-US" smtClean="0"/>
+              <a:t>9</a:t>
+            </a:fld>
+            <a:endParaRPr lang="en-US"/>
+          </a:p>
+        </p:txBody>
+      </p:sp>
+    </p:spTree>
+    <p:extLst>
+      <p:ext uri="{BB962C8B-B14F-4D97-AF65-F5344CB8AC3E}">
+        <p14:creationId xmlns:p14="http://schemas.microsoft.com/office/powerpoint/2010/main" val="1299322077"/>
+      </p:ext>
+    </p:extLst>
+  </p:cSld>
+  <p:clrMapOvr>
+    <a:masterClrMapping/>
+  </p:clrMapOvr>
+</p:notes>
 </file>
 
 <file path=ppt/slideLayouts/slideLayout1.xml><?xml version="1.0" encoding="utf-8"?>
@@ -8285,6 +8382,326 @@
     <p:extLst>
       <p:ext uri="{BB962C8B-B14F-4D97-AF65-F5344CB8AC3E}">
         <p14:creationId xmlns:p14="http://schemas.microsoft.com/office/powerpoint/2010/main" val="931822486"/>
+      </p:ext>
+    </p:extLst>
+  </p:cSld>
+  <p:clrMapOvr>
+    <a:masterClrMapping/>
+  </p:clrMapOvr>
+  <mc:AlternateContent xmlns:mc="http://schemas.openxmlformats.org/markup-compatibility/2006" xmlns:p14="http://schemas.microsoft.com/office/powerpoint/2010/main">
+    <mc:Choice Requires="p14">
+      <p:transition p14:dur="300">
+        <p:fade/>
+      </p:transition>
+    </mc:Choice>
+    <mc:Fallback xmlns="">
+      <p:transition>
+        <p:fade/>
+      </p:transition>
+    </mc:Fallback>
+  </mc:AlternateContent>
+</p:sld>
+</file>
+
+<file path=ppt/slides/slide8.xml><?xml version="1.0" encoding="utf-8"?>
+<p:sld xmlns:a="http://schemas.openxmlformats.org/drawingml/2006/main" xmlns:r="http://schemas.openxmlformats.org/officeDocument/2006/relationships" xmlns:p="http://schemas.openxmlformats.org/presentationml/2006/main">
+  <p:cSld>
+    <p:spTree>
+      <p:nvGrpSpPr>
+        <p:cNvPr id="1" name=""/>
+        <p:cNvGrpSpPr/>
+        <p:nvPr/>
+      </p:nvGrpSpPr>
+      <p:grpSpPr>
+        <a:xfrm>
+          <a:off x="0" y="0"/>
+          <a:ext cx="0" cy="0"/>
+          <a:chOff x="0" y="0"/>
+          <a:chExt cx="0" cy="0"/>
+        </a:xfrm>
+      </p:grpSpPr>
+      <p:sp>
+        <p:nvSpPr>
+          <p:cNvPr id="2" name="Title 1">
+            <a:extLst>
+              <a:ext uri="{FF2B5EF4-FFF2-40B4-BE49-F238E27FC236}">
+                <a16:creationId xmlns:a16="http://schemas.microsoft.com/office/drawing/2014/main" id="{3DC7381F-F667-DF44-B288-F643DD51F349}"/>
+              </a:ext>
+            </a:extLst>
+          </p:cNvPr>
+          <p:cNvSpPr>
+            <a:spLocks noGrp="1"/>
+          </p:cNvSpPr>
+          <p:nvPr>
+            <p:ph type="title"/>
+          </p:nvPr>
+        </p:nvSpPr>
+        <p:spPr/>
+        <p:txBody>
+          <a:bodyPr/>
+          <a:lstStyle/>
+          <a:p>
+            <a:r>
+              <a:rPr lang="en-US" dirty="0"/>
+              <a:t>Knowledge Check</a:t>
+            </a:r>
+          </a:p>
+        </p:txBody>
+      </p:sp>
+      <p:pic>
+        <p:nvPicPr>
+          <p:cNvPr id="4" name="Picture 3">
+            <a:extLst>
+              <a:ext uri="{FF2B5EF4-FFF2-40B4-BE49-F238E27FC236}">
+                <a16:creationId xmlns:a16="http://schemas.microsoft.com/office/drawing/2014/main" id="{0C9A752B-8F80-B743-8180-FC826EC25BC7}"/>
+              </a:ext>
+            </a:extLst>
+          </p:cNvPr>
+          <p:cNvPicPr>
+            <a:picLocks noChangeAspect="1"/>
+          </p:cNvPicPr>
+          <p:nvPr/>
+        </p:nvPicPr>
+        <p:blipFill>
+          <a:blip r:embed="rId2"/>
+          <a:stretch>
+            <a:fillRect/>
+          </a:stretch>
+        </p:blipFill>
+        <p:spPr>
+          <a:xfrm>
+            <a:off x="449943" y="1463722"/>
+            <a:ext cx="8947150" cy="5220428"/>
+          </a:xfrm>
+          <a:prstGeom prst="rect">
+            <a:avLst/>
+          </a:prstGeom>
+        </p:spPr>
+      </p:pic>
+      <p:sp>
+        <p:nvSpPr>
+          <p:cNvPr id="5" name="TextBox 4">
+            <a:extLst>
+              <a:ext uri="{FF2B5EF4-FFF2-40B4-BE49-F238E27FC236}">
+                <a16:creationId xmlns:a16="http://schemas.microsoft.com/office/drawing/2014/main" id="{6EA7D875-5109-7C49-ABA4-673EACDA6875}"/>
+              </a:ext>
+            </a:extLst>
+          </p:cNvPr>
+          <p:cNvSpPr txBox="1"/>
+          <p:nvPr/>
+        </p:nvSpPr>
+        <p:spPr>
+          <a:xfrm>
+            <a:off x="10199585" y="3062515"/>
+            <a:ext cx="2989943" cy="1938992"/>
+          </a:xfrm>
+          <a:prstGeom prst="rect">
+            <a:avLst/>
+          </a:prstGeom>
+          <a:noFill/>
+        </p:spPr>
+        <p:txBody>
+          <a:bodyPr wrap="square" rtlCol="0">
+            <a:spAutoFit/>
+          </a:bodyPr>
+          <a:lstStyle/>
+          <a:p>
+            <a:r>
+              <a:rPr lang="en-US" dirty="0"/>
+              <a:t>Recall – Albert mentioned this example when talking about the steps needed in the farmer-river-crossing riddle!</a:t>
+            </a:r>
+          </a:p>
+        </p:txBody>
+      </p:sp>
+      <p:sp>
+        <p:nvSpPr>
+          <p:cNvPr id="6" name="TextBox 5">
+            <a:extLst>
+              <a:ext uri="{FF2B5EF4-FFF2-40B4-BE49-F238E27FC236}">
+                <a16:creationId xmlns:a16="http://schemas.microsoft.com/office/drawing/2014/main" id="{808503FA-F1E5-B141-BC31-C8A378FB8853}"/>
+              </a:ext>
+            </a:extLst>
+          </p:cNvPr>
+          <p:cNvSpPr txBox="1"/>
+          <p:nvPr/>
+        </p:nvSpPr>
+        <p:spPr>
+          <a:xfrm>
+            <a:off x="9351313" y="5196114"/>
+            <a:ext cx="4466287" cy="400110"/>
+          </a:xfrm>
+          <a:prstGeom prst="rect">
+            <a:avLst/>
+          </a:prstGeom>
+          <a:noFill/>
+        </p:spPr>
+        <p:txBody>
+          <a:bodyPr wrap="none" rtlCol="0">
+            <a:spAutoFit/>
+          </a:bodyPr>
+          <a:lstStyle/>
+          <a:p>
+            <a:r>
+              <a:rPr lang="en-US" dirty="0"/>
+              <a:t>It takes 3 steps to swap two  numbers</a:t>
+            </a:r>
+          </a:p>
+        </p:txBody>
+      </p:sp>
+    </p:spTree>
+    <p:extLst>
+      <p:ext uri="{BB962C8B-B14F-4D97-AF65-F5344CB8AC3E}">
+        <p14:creationId xmlns:p14="http://schemas.microsoft.com/office/powerpoint/2010/main" val="1173550399"/>
+      </p:ext>
+    </p:extLst>
+  </p:cSld>
+  <p:clrMapOvr>
+    <a:masterClrMapping/>
+  </p:clrMapOvr>
+  <mc:AlternateContent xmlns:mc="http://schemas.openxmlformats.org/markup-compatibility/2006" xmlns:p14="http://schemas.microsoft.com/office/powerpoint/2010/main">
+    <mc:Choice Requires="p14">
+      <p:transition p14:dur="300">
+        <p:fade/>
+      </p:transition>
+    </mc:Choice>
+    <mc:Fallback xmlns="">
+      <p:transition>
+        <p:fade/>
+      </p:transition>
+    </mc:Fallback>
+  </mc:AlternateContent>
+</p:sld>
+</file>
+
+<file path=ppt/slides/slide9.xml><?xml version="1.0" encoding="utf-8"?>
+<p:sld xmlns:a="http://schemas.openxmlformats.org/drawingml/2006/main" xmlns:r="http://schemas.openxmlformats.org/officeDocument/2006/relationships" xmlns:p="http://schemas.openxmlformats.org/presentationml/2006/main">
+  <p:cSld>
+    <p:spTree>
+      <p:nvGrpSpPr>
+        <p:cNvPr id="1" name=""/>
+        <p:cNvGrpSpPr/>
+        <p:nvPr/>
+      </p:nvGrpSpPr>
+      <p:grpSpPr>
+        <a:xfrm>
+          <a:off x="0" y="0"/>
+          <a:ext cx="0" cy="0"/>
+          <a:chOff x="0" y="0"/>
+          <a:chExt cx="0" cy="0"/>
+        </a:xfrm>
+      </p:grpSpPr>
+      <p:sp>
+        <p:nvSpPr>
+          <p:cNvPr id="2" name="Title 1">
+            <a:extLst>
+              <a:ext uri="{FF2B5EF4-FFF2-40B4-BE49-F238E27FC236}">
+                <a16:creationId xmlns:a16="http://schemas.microsoft.com/office/drawing/2014/main" id="{FD4A4AA3-FBFC-9846-899D-55B8DB77F20D}"/>
+              </a:ext>
+            </a:extLst>
+          </p:cNvPr>
+          <p:cNvSpPr>
+            <a:spLocks noGrp="1"/>
+          </p:cNvSpPr>
+          <p:nvPr>
+            <p:ph type="title"/>
+          </p:nvPr>
+        </p:nvSpPr>
+        <p:spPr/>
+        <p:txBody>
+          <a:bodyPr/>
+          <a:lstStyle/>
+          <a:p>
+            <a:r>
+              <a:rPr lang="en-US" dirty="0"/>
+              <a:t>Knowledge Check</a:t>
+            </a:r>
+          </a:p>
+        </p:txBody>
+      </p:sp>
+      <p:pic>
+        <p:nvPicPr>
+          <p:cNvPr id="4" name="Picture 3">
+            <a:extLst>
+              <a:ext uri="{FF2B5EF4-FFF2-40B4-BE49-F238E27FC236}">
+                <a16:creationId xmlns:a16="http://schemas.microsoft.com/office/drawing/2014/main" id="{02AE0AE4-B9F5-8744-A613-63EAB8BFE383}"/>
+              </a:ext>
+            </a:extLst>
+          </p:cNvPr>
+          <p:cNvPicPr>
+            <a:picLocks noChangeAspect="1"/>
+          </p:cNvPicPr>
+          <p:nvPr/>
+        </p:nvPicPr>
+        <p:blipFill>
+          <a:blip r:embed="rId3"/>
+          <a:stretch>
+            <a:fillRect/>
+          </a:stretch>
+        </p:blipFill>
+        <p:spPr>
+          <a:xfrm>
+            <a:off x="628072" y="1349828"/>
+            <a:ext cx="5554209" cy="5779105"/>
+          </a:xfrm>
+          <a:prstGeom prst="rect">
+            <a:avLst/>
+          </a:prstGeom>
+        </p:spPr>
+      </p:pic>
+      <p:sp>
+        <p:nvSpPr>
+          <p:cNvPr id="6" name="TextBox 5">
+            <a:extLst>
+              <a:ext uri="{FF2B5EF4-FFF2-40B4-BE49-F238E27FC236}">
+                <a16:creationId xmlns:a16="http://schemas.microsoft.com/office/drawing/2014/main" id="{832AD501-C97D-FC4D-83F5-978574ABDD9A}"/>
+              </a:ext>
+            </a:extLst>
+          </p:cNvPr>
+          <p:cNvSpPr txBox="1"/>
+          <p:nvPr/>
+        </p:nvSpPr>
+        <p:spPr>
+          <a:xfrm>
+            <a:off x="6997700" y="1727200"/>
+            <a:ext cx="6206251" cy="1323439"/>
+          </a:xfrm>
+          <a:prstGeom prst="rect">
+            <a:avLst/>
+          </a:prstGeom>
+          <a:noFill/>
+        </p:spPr>
+        <p:txBody>
+          <a:bodyPr wrap="none" rtlCol="0">
+            <a:spAutoFit/>
+          </a:bodyPr>
+          <a:lstStyle/>
+          <a:p>
+            <a:r>
+              <a:rPr lang="en-US" dirty="0"/>
+              <a:t>Your TA may code this out (or you may!)</a:t>
+            </a:r>
+          </a:p>
+          <a:p>
+            <a:endParaRPr lang="en-US" dirty="0"/>
+          </a:p>
+          <a:p>
+            <a:r>
+              <a:rPr lang="en-US" dirty="0"/>
+              <a:t>Talk it through, draw on paper, whatever you need to </a:t>
+            </a:r>
+          </a:p>
+          <a:p>
+            <a:r>
+              <a:rPr lang="en-US" dirty="0"/>
+              <a:t>track it. </a:t>
+            </a:r>
+          </a:p>
+        </p:txBody>
+      </p:sp>
+    </p:spTree>
+    <p:extLst>
+      <p:ext uri="{BB962C8B-B14F-4D97-AF65-F5344CB8AC3E}">
+        <p14:creationId xmlns:p14="http://schemas.microsoft.com/office/powerpoint/2010/main" val="3913790106"/>
       </p:ext>
     </p:extLst>
   </p:cSld>

--- a/help session/week7/week7_ssh.pptx
+++ b/help session/week7/week7_ssh.pptx
@@ -222,7 +222,7 @@
           <a:p>
             <a:fld id="{4D7E51A5-B478-1E40-8CBB-0DAA8831E99D}" type="datetimeFigureOut">
               <a:rPr lang="en-US" smtClean="0"/>
-              <a:t>3/1/21</a:t>
+              <a:t>3/2/2021</a:t>
             </a:fld>
             <a:endParaRPr lang="en-US"/>
           </a:p>
@@ -387,7 +387,7 @@
           <a:p>
             <a:fld id="{D0ED587F-861E-6740-9643-E3DDAE89B8D6}" type="datetimeFigureOut">
               <a:rPr lang="en-US" smtClean="0"/>
-              <a:t>3/1/21</a:t>
+              <a:t>3/2/2021</a:t>
             </a:fld>
             <a:endParaRPr lang="en-US"/>
           </a:p>
@@ -7382,13 +7382,14 @@
             </a:r>
           </a:p>
           <a:p>
-            <a:pPr lvl="2">
+            <a:pPr marL="1399233" lvl="2" indent="0">
               <a:lnSpc>
                 <a:spcPct val="100000"/>
               </a:lnSpc>
               <a:spcAft>
                 <a:spcPts val="0"/>
               </a:spcAft>
+              <a:buNone/>
             </a:pPr>
             <a:endParaRPr lang="en-US" dirty="0"/>
           </a:p>
@@ -7572,7 +7573,7 @@
         </p:nvSpPr>
         <p:spPr>
           <a:xfrm rot="19506453">
-            <a:off x="10216445" y="3016048"/>
+            <a:off x="10216445" y="1754155"/>
             <a:ext cx="3253455" cy="400110"/>
           </a:xfrm>
           <a:prstGeom prst="rect">
@@ -7590,6 +7591,190 @@
               <a:rPr lang="en-US" dirty="0"/>
               <a:t>Ask a TA for help installing!</a:t>
             </a:r>
+          </a:p>
+        </p:txBody>
+      </p:sp>
+      <p:sp>
+        <p:nvSpPr>
+          <p:cNvPr id="7" name="TextBox 6">
+            <a:extLst>
+              <a:ext uri="{FF2B5EF4-FFF2-40B4-BE49-F238E27FC236}">
+                <a16:creationId xmlns:a16="http://schemas.microsoft.com/office/drawing/2014/main" id="{CE907C36-593B-4AB0-9521-30627B70595E}"/>
+              </a:ext>
+            </a:extLst>
+          </p:cNvPr>
+          <p:cNvSpPr txBox="1"/>
+          <p:nvPr/>
+        </p:nvSpPr>
+        <p:spPr>
+          <a:xfrm>
+            <a:off x="6285345" y="3899480"/>
+            <a:ext cx="7707745" cy="1077218"/>
+          </a:xfrm>
+          <a:prstGeom prst="rect">
+            <a:avLst/>
+          </a:prstGeom>
+          <a:noFill/>
+        </p:spPr>
+        <p:txBody>
+          <a:bodyPr wrap="square" rtlCol="0">
+            <a:spAutoFit/>
+          </a:bodyPr>
+          <a:lstStyle/>
+          <a:p>
+            <a:pPr marL="1136875" marR="0" lvl="1" indent="-437261" algn="l" defTabSz="699614" rtl="0" eaLnBrk="1" fontAlgn="auto" latinLnBrk="0" hangingPunct="1">
+              <a:lnSpc>
+                <a:spcPct val="100000"/>
+              </a:lnSpc>
+              <a:spcBef>
+                <a:spcPts val="0"/>
+              </a:spcBef>
+              <a:spcAft>
+                <a:spcPts val="0"/>
+              </a:spcAft>
+              <a:buClrTx/>
+              <a:buSzTx/>
+              <a:buFont typeface="Arial"/>
+              <a:buChar char="–"/>
+              <a:tabLst/>
+              <a:defRPr/>
+            </a:pPr>
+            <a:r>
+              <a:rPr kumimoji="0" lang="en-US" sz="1600" b="0" i="0" u="none" strike="noStrike" kern="1200" cap="none" spc="0" normalizeH="0" baseline="0" noProof="0" dirty="0">
+                <a:ln>
+                  <a:noFill/>
+                </a:ln>
+                <a:solidFill>
+                  <a:srgbClr val="092529"/>
+                </a:solidFill>
+                <a:effectLst/>
+                <a:uLnTx/>
+                <a:uFillTx/>
+                <a:latin typeface="Proxima Nova" charset="0"/>
+              </a:rPr>
+              <a:t>WSL (Windows Subsystem for Linux)</a:t>
+            </a:r>
+          </a:p>
+          <a:p>
+            <a:pPr marL="1749040" marR="0" lvl="2" indent="-349807" algn="l" defTabSz="699614" rtl="0" eaLnBrk="1" fontAlgn="auto" latinLnBrk="0" hangingPunct="1">
+              <a:lnSpc>
+                <a:spcPct val="100000"/>
+              </a:lnSpc>
+              <a:spcBef>
+                <a:spcPts val="0"/>
+              </a:spcBef>
+              <a:spcAft>
+                <a:spcPts val="0"/>
+              </a:spcAft>
+              <a:buClrTx/>
+              <a:buSzTx/>
+              <a:buFont typeface="Arial"/>
+              <a:buChar char="•"/>
+              <a:tabLst/>
+              <a:defRPr/>
+            </a:pPr>
+            <a:r>
+              <a:rPr kumimoji="0" lang="en-US" sz="1600" b="0" i="0" u="none" strike="noStrike" kern="1200" cap="none" spc="0" normalizeH="0" baseline="0" noProof="0" dirty="0">
+                <a:ln>
+                  <a:noFill/>
+                </a:ln>
+                <a:solidFill>
+                  <a:srgbClr val="092529"/>
+                </a:solidFill>
+                <a:effectLst/>
+                <a:uLnTx/>
+                <a:uFillTx/>
+                <a:latin typeface="Proxima Nova" charset="0"/>
+              </a:rPr>
+              <a:t>Simulates Linux on Windows</a:t>
+            </a:r>
+          </a:p>
+          <a:p>
+            <a:pPr marL="1749040" marR="0" lvl="2" indent="-349807" algn="l" defTabSz="699614" rtl="0" eaLnBrk="1" fontAlgn="auto" latinLnBrk="0" hangingPunct="1">
+              <a:lnSpc>
+                <a:spcPct val="100000"/>
+              </a:lnSpc>
+              <a:spcBef>
+                <a:spcPts val="0"/>
+              </a:spcBef>
+              <a:spcAft>
+                <a:spcPts val="0"/>
+              </a:spcAft>
+              <a:buClrTx/>
+              <a:buSzTx/>
+              <a:buFont typeface="Arial"/>
+              <a:buChar char="•"/>
+              <a:tabLst/>
+              <a:defRPr/>
+            </a:pPr>
+            <a:r>
+              <a:rPr kumimoji="0" lang="en-US" sz="1600" b="0" i="0" u="none" strike="noStrike" kern="1200" cap="none" spc="0" normalizeH="0" baseline="0" noProof="0" dirty="0">
+                <a:ln>
+                  <a:noFill/>
+                </a:ln>
+                <a:solidFill>
+                  <a:srgbClr val="092529"/>
+                </a:solidFill>
+                <a:effectLst/>
+                <a:uLnTx/>
+                <a:uFillTx/>
+                <a:latin typeface="Proxima Nova" charset="0"/>
+                <a:hlinkClick r:id="rId4"/>
+              </a:rPr>
+              <a:t>https://docs.microsoft.com/en-us/windows/wsl/install-win10</a:t>
+            </a:r>
+            <a:endParaRPr kumimoji="0" lang="en-US" sz="1600" b="0" i="0" u="none" strike="noStrike" kern="1200" cap="none" spc="0" normalizeH="0" baseline="0" noProof="0" dirty="0">
+              <a:ln>
+                <a:noFill/>
+              </a:ln>
+              <a:solidFill>
+                <a:srgbClr val="092529"/>
+              </a:solidFill>
+              <a:effectLst/>
+              <a:uLnTx/>
+              <a:uFillTx/>
+              <a:latin typeface="Proxima Nova" charset="0"/>
+            </a:endParaRPr>
+          </a:p>
+          <a:p>
+            <a:pPr marL="1749040" marR="0" lvl="2" indent="-349807" algn="l" defTabSz="699614" rtl="0" eaLnBrk="1" fontAlgn="auto" latinLnBrk="0" hangingPunct="1">
+              <a:lnSpc>
+                <a:spcPct val="100000"/>
+              </a:lnSpc>
+              <a:spcBef>
+                <a:spcPts val="0"/>
+              </a:spcBef>
+              <a:spcAft>
+                <a:spcPts val="0"/>
+              </a:spcAft>
+              <a:buClrTx/>
+              <a:buSzTx/>
+              <a:buFont typeface="Arial"/>
+              <a:buChar char="•"/>
+              <a:tabLst/>
+              <a:defRPr/>
+            </a:pPr>
+            <a:r>
+              <a:rPr lang="en-US" sz="1600" dirty="0">
+                <a:solidFill>
+                  <a:srgbClr val="092529"/>
+                </a:solidFill>
+                <a:latin typeface="Proxima Nova" charset="0"/>
+              </a:rPr>
+              <a:t>Follow manual steps</a:t>
+            </a:r>
+            <a:endParaRPr kumimoji="0" lang="en-US" sz="1600" b="0" i="0" u="none" strike="noStrike" kern="1200" cap="none" spc="0" normalizeH="0" baseline="0" noProof="0" dirty="0">
+              <a:ln>
+                <a:noFill/>
+              </a:ln>
+              <a:solidFill>
+                <a:srgbClr val="092529"/>
+              </a:solidFill>
+              <a:effectLst/>
+              <a:uLnTx/>
+              <a:uFillTx/>
+              <a:latin typeface="Proxima Nova" charset="0"/>
+            </a:endParaRPr>
           </a:p>
         </p:txBody>
       </p:sp>
